--- a/Project04.pptx
+++ b/Project04.pptx
@@ -5,7 +5,7 @@
     <p:sldMasterId id="2147483648" r:id="rId4"/>
   </p:sldMasterIdLst>
   <p:notesMasterIdLst>
-    <p:notesMasterId r:id="rId19"/>
+    <p:notesMasterId r:id="rId18"/>
   </p:notesMasterIdLst>
   <p:sldIdLst>
     <p:sldId id="273" r:id="rId5"/>
@@ -15,13 +15,12 @@
     <p:sldId id="277" r:id="rId9"/>
     <p:sldId id="278" r:id="rId10"/>
     <p:sldId id="284" r:id="rId11"/>
-    <p:sldId id="279" r:id="rId12"/>
-    <p:sldId id="282" r:id="rId13"/>
-    <p:sldId id="280" r:id="rId14"/>
-    <p:sldId id="285" r:id="rId15"/>
-    <p:sldId id="281" r:id="rId16"/>
-    <p:sldId id="283" r:id="rId17"/>
-    <p:sldId id="286" r:id="rId18"/>
+    <p:sldId id="280" r:id="rId12"/>
+    <p:sldId id="287" r:id="rId13"/>
+    <p:sldId id="281" r:id="rId14"/>
+    <p:sldId id="288" r:id="rId15"/>
+    <p:sldId id="283" r:id="rId16"/>
+    <p:sldId id="286" r:id="rId17"/>
   </p:sldIdLst>
   <p:sldSz cx="12192000" cy="6858000"/>
   <p:notesSz cx="6858000" cy="9144000"/>
@@ -4119,12 +4118,28 @@
           <a:lstStyle/>
           <a:p>
             <a:r>
-              <a:rPr lang="en-US">
+              <a:rPr lang="en-US" dirty="0">
                 <a:solidFill>
                   <a:schemeClr val="bg1"/>
                 </a:solidFill>
               </a:rPr>
-              <a:t>Derek Yong, Michael Hosein, Ryan Salter &amp; Tomy Tran </a:t>
+              <a:t>Derek Yong, Ryan Salter &amp; </a:t>
+            </a:r>
+            <a:r>
+              <a:rPr lang="en-US" dirty="0" err="1">
+                <a:solidFill>
+                  <a:schemeClr val="bg1"/>
+                </a:solidFill>
+              </a:rPr>
+              <a:t>Tomy</a:t>
+            </a:r>
+            <a:r>
+              <a:rPr lang="en-US" dirty="0">
+                <a:solidFill>
+                  <a:schemeClr val="bg1"/>
+                </a:solidFill>
+              </a:rPr>
+              <a:t> Tran </a:t>
             </a:r>
           </a:p>
         </p:txBody>
@@ -4164,7 +4179,7 @@
           <p:cNvPr id="2" name="Title 1">
             <a:extLst>
               <a:ext uri="{FF2B5EF4-FFF2-40B4-BE49-F238E27FC236}">
-                <a16:creationId xmlns:a16="http://schemas.microsoft.com/office/drawing/2014/main" id="{E9922BAD-3C00-4D83-BC0E-15E4DA693A9B}"/>
+                <a16:creationId xmlns:a16="http://schemas.microsoft.com/office/drawing/2014/main" id="{A3D31008-2CAE-4A43-B503-719CC4A6D415}"/>
               </a:ext>
             </a:extLst>
           </p:cNvPr>
@@ -4181,9 +4196,10 @@
           <a:lstStyle/>
           <a:p>
             <a:r>
-              <a:rPr lang="en-US" dirty="0"/>
-              <a:t>PHP</a:t>
-            </a:r>
+              <a:rPr lang="en-US" dirty="0" err="1"/>
+              <a:t>MySQl</a:t>
+            </a:r>
+            <a:endParaRPr lang="en-US" dirty="0"/>
           </a:p>
         </p:txBody>
       </p:sp>
@@ -4192,7 +4208,7 @@
           <p:cNvPr id="3" name="Content Placeholder 2">
             <a:extLst>
               <a:ext uri="{FF2B5EF4-FFF2-40B4-BE49-F238E27FC236}">
-                <a16:creationId xmlns:a16="http://schemas.microsoft.com/office/drawing/2014/main" id="{D40C6D8F-4AB9-4193-A0E7-9E5022E9395E}"/>
+                <a16:creationId xmlns:a16="http://schemas.microsoft.com/office/drawing/2014/main" id="{4860134F-AB43-436A-ABB8-7836F80717BF}"/>
               </a:ext>
             </a:extLst>
           </p:cNvPr>
@@ -4210,51 +4226,99 @@
           <a:p>
             <a:r>
               <a:rPr lang="en-US" dirty="0"/>
-              <a:t>As mentioned PHP was mostly responsible for storing inputs and data then passed that data to the data through MySQL</a:t>
+              <a:t>The main components of MySQL used in the coding portion specifically were the data manipulating statements which included: INSERT and SELECT </a:t>
             </a:r>
           </a:p>
           <a:p>
             <a:r>
               <a:rPr lang="en-US" dirty="0"/>
-              <a:t>A connection was established with the database by passing server, username, password and database name as variables to the MySQL server</a:t>
-            </a:r>
+              <a:t>INSERT takes the given data from the user or code and stores it inside of the table</a:t>
+            </a:r>
+          </a:p>
+          <a:p>
+            <a:pPr marL="0" indent="0">
+              <a:buNone/>
+            </a:pPr>
+            <a:endParaRPr lang="en-US" dirty="0"/>
+          </a:p>
+          <a:p>
+            <a:pPr marL="0" indent="0">
+              <a:buNone/>
+            </a:pPr>
+            <a:endParaRPr lang="en-US" dirty="0"/>
           </a:p>
           <a:p>
             <a:r>
               <a:rPr lang="en-US" dirty="0"/>
-              <a:t>In the case of logging in, the form validation was completed through PHP </a:t>
-            </a:r>
-            <a:r>
-              <a:rPr lang="en-US" dirty="0" err="1"/>
-              <a:t>array_push</a:t>
-            </a:r>
-            <a:r>
-              <a:rPr lang="en-US" dirty="0"/>
-              <a:t>()</a:t>
-            </a:r>
-          </a:p>
-          <a:p>
-            <a:r>
-              <a:rPr lang="en-US" dirty="0"/>
-              <a:t>In some cases echo statements were used to add HTML tags and content to the page as well</a:t>
-            </a:r>
-          </a:p>
-          <a:p>
-            <a:pPr lvl="1"/>
-            <a:r>
-              <a:rPr lang="en-US" dirty="0"/>
-              <a:t>Example: echo “&lt;p&gt; Insert text to be printed &lt;/p&gt;”;</a:t>
-            </a:r>
-          </a:p>
-          <a:p>
-            <a:endParaRPr lang="en-US" dirty="0"/>
-          </a:p>
-        </p:txBody>
-      </p:sp>
+              <a:t>SELECT is how we access that stored data in order to display it onto the pages</a:t>
+            </a:r>
+          </a:p>
+        </p:txBody>
+      </p:sp>
+      <p:pic>
+        <p:nvPicPr>
+          <p:cNvPr id="5" name="Picture 4">
+            <a:extLst>
+              <a:ext uri="{FF2B5EF4-FFF2-40B4-BE49-F238E27FC236}">
+                <a16:creationId xmlns:a16="http://schemas.microsoft.com/office/drawing/2014/main" id="{57295AE0-FF8C-4703-B795-0253877E1898}"/>
+              </a:ext>
+            </a:extLst>
+          </p:cNvPr>
+          <p:cNvPicPr>
+            <a:picLocks noChangeAspect="1"/>
+          </p:cNvPicPr>
+          <p:nvPr/>
+        </p:nvPicPr>
+        <p:blipFill>
+          <a:blip r:embed="rId2"/>
+          <a:stretch>
+            <a:fillRect/>
+          </a:stretch>
+        </p:blipFill>
+        <p:spPr>
+          <a:xfrm>
+            <a:off x="3173144" y="3266138"/>
+            <a:ext cx="5843630" cy="561979"/>
+          </a:xfrm>
+          <a:prstGeom prst="rect">
+            <a:avLst/>
+          </a:prstGeom>
+        </p:spPr>
+      </p:pic>
+      <p:pic>
+        <p:nvPicPr>
+          <p:cNvPr id="7" name="Picture 6" descr="Text&#10;&#10;Description automatically generated">
+            <a:extLst>
+              <a:ext uri="{FF2B5EF4-FFF2-40B4-BE49-F238E27FC236}">
+                <a16:creationId xmlns:a16="http://schemas.microsoft.com/office/drawing/2014/main" id="{2995608B-F139-4D2A-B979-58B057838A89}"/>
+              </a:ext>
+            </a:extLst>
+          </p:cNvPr>
+          <p:cNvPicPr>
+            <a:picLocks noChangeAspect="1"/>
+          </p:cNvPicPr>
+          <p:nvPr/>
+        </p:nvPicPr>
+        <p:blipFill>
+          <a:blip r:embed="rId3"/>
+          <a:stretch>
+            <a:fillRect/>
+          </a:stretch>
+        </p:blipFill>
+        <p:spPr>
+          <a:xfrm>
+            <a:off x="860933" y="4637371"/>
+            <a:ext cx="10468052" cy="1438286"/>
+          </a:xfrm>
+          <a:prstGeom prst="rect">
+            <a:avLst/>
+          </a:prstGeom>
+        </p:spPr>
+      </p:pic>
     </p:spTree>
     <p:extLst>
       <p:ext uri="{BB962C8B-B14F-4D97-AF65-F5344CB8AC3E}">
-        <p14:creationId xmlns:p14="http://schemas.microsoft.com/office/powerpoint/2010/main" val="944250526"/>
+        <p14:creationId xmlns:p14="http://schemas.microsoft.com/office/powerpoint/2010/main" val="1744779298"/>
       </p:ext>
     </p:extLst>
   </p:cSld>
@@ -4291,7 +4355,7 @@
       </p:grpSpPr>
       <p:sp>
         <p:nvSpPr>
-          <p:cNvPr id="12" name="Rectangle 11">
+          <p:cNvPr id="9" name="Rectangle 11">
             <a:extLst>
               <a:ext uri="{FF2B5EF4-FFF2-40B4-BE49-F238E27FC236}">
                 <a16:creationId xmlns:a16="http://schemas.microsoft.com/office/drawing/2014/main" id="{9A457F22-2034-4200-B6E4-5B8372AAC226}"/>
@@ -4354,7 +4418,7 @@
       </p:sp>
       <p:sp>
         <p:nvSpPr>
-          <p:cNvPr id="14" name="Rectangle 13">
+          <p:cNvPr id="10" name="Rectangle 13">
             <a:extLst>
               <a:ext uri="{FF2B5EF4-FFF2-40B4-BE49-F238E27FC236}">
                 <a16:creationId xmlns:a16="http://schemas.microsoft.com/office/drawing/2014/main" id="{A9DA7986-F4F5-4F92-94A3-343B2D72001D}"/>
@@ -4417,10 +4481,10 @@
       </p:sp>
       <p:sp>
         <p:nvSpPr>
-          <p:cNvPr id="2" name="Title 1">
+          <p:cNvPr id="6" name="Title 5">
             <a:extLst>
               <a:ext uri="{FF2B5EF4-FFF2-40B4-BE49-F238E27FC236}">
-                <a16:creationId xmlns:a16="http://schemas.microsoft.com/office/drawing/2014/main" id="{3B72221F-B9FD-4327-B264-C4FDD282264F}"/>
+                <a16:creationId xmlns:a16="http://schemas.microsoft.com/office/drawing/2014/main" id="{1CD881F9-31FC-4CE2-9F82-2860A27E00A4}"/>
               </a:ext>
             </a:extLst>
           </p:cNvPr>
@@ -4439,7 +4503,7 @@
         </p:spPr>
         <p:txBody>
           <a:bodyPr>
-            <a:normAutofit fontScale="90000"/>
+            <a:normAutofit/>
           </a:bodyPr>
           <a:lstStyle/>
           <a:p>
@@ -4449,17 +4513,17 @@
                   <a:schemeClr val="tx2"/>
                 </a:solidFill>
               </a:rPr>
-              <a:t>Checking inputs and setting price</a:t>
-            </a:r>
-          </a:p>
-        </p:txBody>
-      </p:sp>
-      <p:sp>
-        <p:nvSpPr>
-          <p:cNvPr id="9" name="Content Placeholder 8">
+              <a:t>Created Databases</a:t>
+            </a:r>
+          </a:p>
+        </p:txBody>
+      </p:sp>
+      <p:sp>
+        <p:nvSpPr>
+          <p:cNvPr id="7" name="Content Placeholder 6">
             <a:extLst>
               <a:ext uri="{FF2B5EF4-FFF2-40B4-BE49-F238E27FC236}">
-                <a16:creationId xmlns:a16="http://schemas.microsoft.com/office/drawing/2014/main" id="{0F35D9B3-9F0C-4BF9-84E7-B1BE655C8516}"/>
+                <a16:creationId xmlns:a16="http://schemas.microsoft.com/office/drawing/2014/main" id="{405C6F04-5053-4BEE-9DB9-0230B2E3EFD1}"/>
               </a:ext>
             </a:extLst>
           </p:cNvPr>
@@ -4488,7 +4552,7 @@
                   <a:schemeClr val="bg1"/>
                 </a:solidFill>
               </a:rPr>
-              <a:t>In the case of the pre-paid parking, inputs were read using the $_POST method and stored in representative variables</a:t>
+              <a:t>Multiple databases were created and utilized throughout the project</a:t>
             </a:r>
           </a:p>
           <a:p>
@@ -4498,7 +4562,28 @@
                   <a:schemeClr val="bg1"/>
                 </a:solidFill>
               </a:rPr>
-              <a:t>Prices were set using a series of if-statements that checked what the input was and updated the price accordingly </a:t>
+              <a:t>Arrows indicating the connection between the two</a:t>
+            </a:r>
+          </a:p>
+          <a:p>
+            <a:r>
+              <a:rPr lang="en-US" dirty="0">
+                <a:solidFill>
+                  <a:schemeClr val="bg1"/>
+                </a:solidFill>
+              </a:rPr>
+              <a:t>For example: Users has 1:1 means that any given user can only have one cart</a:t>
+            </a:r>
+          </a:p>
+          <a:p>
+            <a:pPr lvl="1"/>
+            <a:r>
+              <a:rPr lang="en-US" dirty="0">
+                <a:solidFill>
+                  <a:schemeClr val="bg1"/>
+                </a:solidFill>
+              </a:rPr>
+              <a:t>Orders has 1:n meaning an order can have 1 or many items in it </a:t>
             </a:r>
           </a:p>
         </p:txBody>
@@ -4568,10 +4653,10 @@
       </p:sp>
       <p:pic>
         <p:nvPicPr>
-          <p:cNvPr id="5" name="Content Placeholder 4" descr="Text&#10;&#10;Description automatically generated">
+          <p:cNvPr id="5" name="Picture 4" descr="Diagram&#10;&#10;Description automatically generated">
             <a:extLst>
               <a:ext uri="{FF2B5EF4-FFF2-40B4-BE49-F238E27FC236}">
-                <a16:creationId xmlns:a16="http://schemas.microsoft.com/office/drawing/2014/main" id="{2ADADD6A-9F8A-4C7D-9625-065A035B1EDF}"/>
+                <a16:creationId xmlns:a16="http://schemas.microsoft.com/office/drawing/2014/main" id="{540E94EB-6DEB-4A18-A352-3301AC1FC52E}"/>
               </a:ext>
             </a:extLst>
           </p:cNvPr>
@@ -4588,8 +4673,8 @@
         </p:blipFill>
         <p:spPr>
           <a:xfrm>
-            <a:off x="6275865" y="598634"/>
-            <a:ext cx="4256608" cy="5619286"/>
+            <a:off x="5262368" y="1256143"/>
+            <a:ext cx="6283602" cy="4304268"/>
           </a:xfrm>
           <a:prstGeom prst="rect">
             <a:avLst/>
@@ -4599,7 +4684,7 @@
     </p:spTree>
     <p:extLst>
       <p:ext uri="{BB962C8B-B14F-4D97-AF65-F5344CB8AC3E}">
-        <p14:creationId xmlns:p14="http://schemas.microsoft.com/office/powerpoint/2010/main" val="2132119656"/>
+        <p14:creationId xmlns:p14="http://schemas.microsoft.com/office/powerpoint/2010/main" val="3902713847"/>
       </p:ext>
     </p:extLst>
   </p:cSld>
@@ -4610,117 +4695,6 @@
 </file>
 
 <file path=ppt/slides/slide12.xml><?xml version="1.0" encoding="utf-8"?>
-<p:sld xmlns:a="http://schemas.openxmlformats.org/drawingml/2006/main" xmlns:r="http://schemas.openxmlformats.org/officeDocument/2006/relationships" xmlns:p="http://schemas.openxmlformats.org/presentationml/2006/main">
-  <p:cSld>
-    <p:spTree>
-      <p:nvGrpSpPr>
-        <p:cNvPr id="1" name=""/>
-        <p:cNvGrpSpPr/>
-        <p:nvPr/>
-      </p:nvGrpSpPr>
-      <p:grpSpPr>
-        <a:xfrm>
-          <a:off x="0" y="0"/>
-          <a:ext cx="0" cy="0"/>
-          <a:chOff x="0" y="0"/>
-          <a:chExt cx="0" cy="0"/>
-        </a:xfrm>
-      </p:grpSpPr>
-      <p:sp>
-        <p:nvSpPr>
-          <p:cNvPr id="2" name="Title 1">
-            <a:extLst>
-              <a:ext uri="{FF2B5EF4-FFF2-40B4-BE49-F238E27FC236}">
-                <a16:creationId xmlns:a16="http://schemas.microsoft.com/office/drawing/2014/main" id="{A3D31008-2CAE-4A43-B503-719CC4A6D415}"/>
-              </a:ext>
-            </a:extLst>
-          </p:cNvPr>
-          <p:cNvSpPr>
-            <a:spLocks noGrp="1"/>
-          </p:cNvSpPr>
-          <p:nvPr>
-            <p:ph type="title"/>
-          </p:nvPr>
-        </p:nvSpPr>
-        <p:spPr/>
-        <p:txBody>
-          <a:bodyPr/>
-          <a:lstStyle/>
-          <a:p>
-            <a:r>
-              <a:rPr lang="en-US" dirty="0" err="1"/>
-              <a:t>MySQl</a:t>
-            </a:r>
-            <a:endParaRPr lang="en-US" dirty="0"/>
-          </a:p>
-        </p:txBody>
-      </p:sp>
-      <p:sp>
-        <p:nvSpPr>
-          <p:cNvPr id="3" name="Content Placeholder 2">
-            <a:extLst>
-              <a:ext uri="{FF2B5EF4-FFF2-40B4-BE49-F238E27FC236}">
-                <a16:creationId xmlns:a16="http://schemas.microsoft.com/office/drawing/2014/main" id="{4860134F-AB43-436A-ABB8-7836F80717BF}"/>
-              </a:ext>
-            </a:extLst>
-          </p:cNvPr>
-          <p:cNvSpPr>
-            <a:spLocks noGrp="1"/>
-          </p:cNvSpPr>
-          <p:nvPr>
-            <p:ph idx="1"/>
-          </p:nvPr>
-        </p:nvSpPr>
-        <p:spPr/>
-        <p:txBody>
-          <a:bodyPr/>
-          <a:lstStyle/>
-          <a:p>
-            <a:r>
-              <a:rPr lang="en-US" dirty="0"/>
-              <a:t>The main component of MySQL used in the coding portion specifically was the data defining statement CREATE</a:t>
-            </a:r>
-          </a:p>
-          <a:p>
-            <a:r>
-              <a:rPr lang="en-US" dirty="0"/>
-              <a:t> CREATE as expected is used to create a new table assuming that it does not already exist within the database. If the table does exist, an error is given unless we use ‘IF NOT EXIST’ within the statement. After CREATE TABLE comes the name of the table followed by the parameters we want to store in the rows and columns</a:t>
-            </a:r>
-          </a:p>
-          <a:p>
-            <a:r>
-              <a:rPr lang="en-US" dirty="0"/>
-              <a:t>Data manipulating statements included: INSERT and SELECT </a:t>
-            </a:r>
-          </a:p>
-          <a:p>
-            <a:r>
-              <a:rPr lang="en-US" dirty="0"/>
-              <a:t>INSERT takes the given data from the user or code and stores it inside of the table</a:t>
-            </a:r>
-          </a:p>
-          <a:p>
-            <a:r>
-              <a:rPr lang="en-US" dirty="0"/>
-              <a:t>SELECT is how we access that stored data in order to display it onto the pages</a:t>
-            </a:r>
-          </a:p>
-        </p:txBody>
-      </p:sp>
-    </p:spTree>
-    <p:extLst>
-      <p:ext uri="{BB962C8B-B14F-4D97-AF65-F5344CB8AC3E}">
-        <p14:creationId xmlns:p14="http://schemas.microsoft.com/office/powerpoint/2010/main" val="1744779298"/>
-      </p:ext>
-    </p:extLst>
-  </p:cSld>
-  <p:clrMapOvr>
-    <a:masterClrMapping/>
-  </p:clrMapOvr>
-</p:sld>
-</file>
-
-<file path=ppt/slides/slide13.xml><?xml version="1.0" encoding="utf-8"?>
 <p:sld xmlns:a="http://schemas.openxmlformats.org/drawingml/2006/main" xmlns:r="http://schemas.openxmlformats.org/officeDocument/2006/relationships" xmlns:p="http://schemas.openxmlformats.org/presentationml/2006/main">
   <p:cSld>
     <p:spTree>
@@ -4811,7 +4785,7 @@
 </p:sld>
 </file>
 
-<file path=ppt/slides/slide14.xml><?xml version="1.0" encoding="utf-8"?>
+<file path=ppt/slides/slide13.xml><?xml version="1.0" encoding="utf-8"?>
 <p:sld xmlns:a="http://schemas.openxmlformats.org/drawingml/2006/main" xmlns:r="http://schemas.openxmlformats.org/officeDocument/2006/relationships" xmlns:p="http://schemas.openxmlformats.org/presentationml/2006/main">
   <p:cSld>
     <p:spTree>
@@ -4875,7 +4849,7 @@
         <p:spPr/>
         <p:txBody>
           <a:bodyPr>
-            <a:normAutofit lnSpcReduction="10000"/>
+            <a:normAutofit/>
           </a:bodyPr>
           <a:lstStyle/>
           <a:p>
@@ -4897,21 +4871,7 @@
             </a:r>
             <a:r>
               <a:rPr lang="en-US" dirty="0"/>
-              <a:t> T</a:t>
-            </a:r>
-            <a:r>
-              <a:rPr lang="en-US"/>
-              <a:t>: Created the </a:t>
-            </a:r>
-            <a:r>
-              <a:rPr lang="en-US" dirty="0"/>
-              <a:t>Credit Card form and checkout process used on the Rental aspect of the project</a:t>
-            </a:r>
-          </a:p>
-          <a:p>
-            <a:r>
-              <a:rPr lang="en-US" dirty="0"/>
-              <a:t>Michael H: Created the pre-paid parking process and all associated aspects. Created and modified databases that were used in the Pre-Pay service portion. Tested databases for any errors and resolved any that were found. </a:t>
+              <a:t> T: Created the Credit Card form and checkout process used on the Rental aspect of the project</a:t>
             </a:r>
           </a:p>
         </p:txBody>
@@ -5024,7 +4984,7 @@
           <a:p>
             <a:r>
               <a:rPr lang="en-US" dirty="0"/>
-              <a:t>In order to accomplish this we were required to use a combination of HTML, CSS, PHP, JavaScript and MySQL</a:t>
+              <a:t>In order to accomplish this we were required to use a combination of HTML, CSS, PHP and MySQL</a:t>
             </a:r>
           </a:p>
         </p:txBody>
@@ -5348,7 +5308,7 @@
         <p:spPr/>
         <p:txBody>
           <a:bodyPr>
-            <a:normAutofit fontScale="85000" lnSpcReduction="20000"/>
+            <a:normAutofit fontScale="92500" lnSpcReduction="20000"/>
           </a:bodyPr>
           <a:lstStyle/>
           <a:p>
@@ -5373,26 +5333,7 @@
           <a:p>
             <a:r>
               <a:rPr lang="en-US" dirty="0"/>
-              <a:t>Testing text inputs: JavaScript functions, html input </a:t>
-            </a:r>
-            <a:r>
-              <a:rPr lang="en-US" i="1" dirty="0"/>
-              <a:t>pattern </a:t>
-            </a:r>
-            <a:r>
-              <a:rPr lang="en-US" dirty="0"/>
-              <a:t>attribute</a:t>
-            </a:r>
-          </a:p>
-          <a:p>
-            <a:pPr lvl="1"/>
-            <a:r>
-              <a:rPr lang="en-US" dirty="0" err="1"/>
-              <a:t>Abcdef</a:t>
-            </a:r>
-            <a:r>
-              <a:rPr lang="en-US" dirty="0"/>
-              <a:t> in fields that require a numerical input would prompt that it was incorrect and not execute the action call </a:t>
+              <a:t>Testing text inputs</a:t>
             </a:r>
           </a:p>
           <a:p>
@@ -5535,20 +5476,17 @@
           <a:p>
             <a:r>
               <a:rPr lang="en-US" dirty="0"/>
-              <a:t>A few attributes used were </a:t>
+              <a:t>A frequently used attribute was </a:t>
             </a:r>
             <a:r>
               <a:rPr lang="en-US" b="1" i="1" dirty="0"/>
-              <a:t>type[radio, password, </a:t>
-            </a:r>
-            <a:r>
-              <a:rPr lang="en-US" b="1" i="1" dirty="0" err="1"/>
-              <a:t>tel</a:t>
-            </a:r>
-            <a:r>
-              <a:rPr lang="en-US" b="1" i="1" dirty="0"/>
-              <a:t> and text]</a:t>
-            </a:r>
+              <a:t>type[text and password] </a:t>
+            </a:r>
+            <a:r>
+              <a:rPr lang="en-US" dirty="0"/>
+              <a:t>that stored user keyboard inputs</a:t>
+            </a:r>
+            <a:endParaRPr lang="en-US" b="1" i="1" dirty="0"/>
           </a:p>
           <a:p>
             <a:endParaRPr lang="en-US" dirty="0"/>
@@ -5929,7 +5867,7 @@
           <p:cNvPr id="2" name="Title 1">
             <a:extLst>
               <a:ext uri="{FF2B5EF4-FFF2-40B4-BE49-F238E27FC236}">
-                <a16:creationId xmlns:a16="http://schemas.microsoft.com/office/drawing/2014/main" id="{37D34D47-B9AB-4CB9-8974-C5C652045283}"/>
+                <a16:creationId xmlns:a16="http://schemas.microsoft.com/office/drawing/2014/main" id="{E9922BAD-3C00-4D83-BC0E-15E4DA693A9B}"/>
               </a:ext>
             </a:extLst>
           </p:cNvPr>
@@ -5947,7 +5885,7 @@
           <a:p>
             <a:r>
               <a:rPr lang="en-US" dirty="0"/>
-              <a:t>JavaScript</a:t>
+              <a:t>PHP</a:t>
             </a:r>
           </a:p>
         </p:txBody>
@@ -5957,7 +5895,7 @@
           <p:cNvPr id="3" name="Content Placeholder 2">
             <a:extLst>
               <a:ext uri="{FF2B5EF4-FFF2-40B4-BE49-F238E27FC236}">
-                <a16:creationId xmlns:a16="http://schemas.microsoft.com/office/drawing/2014/main" id="{EA79C3C8-5D70-44A1-97EA-4AD24514611E}"/>
+                <a16:creationId xmlns:a16="http://schemas.microsoft.com/office/drawing/2014/main" id="{D40C6D8F-4AB9-4193-A0E7-9E5022E9395E}"/>
               </a:ext>
             </a:extLst>
           </p:cNvPr>
@@ -5975,74 +5913,51 @@
           <a:p>
             <a:r>
               <a:rPr lang="en-US" dirty="0"/>
-              <a:t>JavaScript was not used much but in two instances: form validation and checking card type specifically in the process of picking a parking space. </a:t>
+              <a:t>As mentioned PHP was mostly responsible for storing inputs and data then passed that data to the data through MySQL</a:t>
             </a:r>
           </a:p>
           <a:p>
             <a:r>
               <a:rPr lang="en-US" dirty="0"/>
-              <a:t>Form validation was completed using specific </a:t>
+              <a:t>A connection was established with the database by passing server, username, password and database name as variables to the MySQL server</a:t>
+            </a:r>
+          </a:p>
+          <a:p>
+            <a:r>
+              <a:rPr lang="en-US" dirty="0"/>
+              <a:t>In the case of logging in, the form validation was completed through PHP </a:t>
             </a:r>
             <a:r>
               <a:rPr lang="en-US" dirty="0" err="1"/>
-              <a:t>regexp</a:t>
+              <a:t>array_push</a:t>
             </a:r>
             <a:r>
               <a:rPr lang="en-US" dirty="0"/>
-              <a:t> statements within if statements to check if the field was either empty or containing illegal characters and/or numbers</a:t>
+              <a:t>()</a:t>
             </a:r>
           </a:p>
           <a:p>
             <a:r>
               <a:rPr lang="en-US" dirty="0"/>
-              <a:t>The type of card used was checked using </a:t>
-            </a:r>
-            <a:r>
-              <a:rPr lang="en-US" b="1" i="1" dirty="0" err="1"/>
-              <a:t>EventListeners</a:t>
-            </a:r>
+              <a:t>In some cases echo statements were used to add HTML tags and content to the page as well</a:t>
+            </a:r>
+          </a:p>
+          <a:p>
+            <a:pPr lvl="1"/>
             <a:r>
               <a:rPr lang="en-US" dirty="0"/>
-              <a:t> that checked what </a:t>
-            </a:r>
-            <a:r>
-              <a:rPr lang="en-US" b="1" i="1" dirty="0"/>
-              <a:t>key</a:t>
-            </a:r>
-            <a:r>
-              <a:rPr lang="en-US" dirty="0"/>
-              <a:t> or </a:t>
-            </a:r>
-            <a:r>
-              <a:rPr lang="en-US" b="1" i="1" dirty="0"/>
-              <a:t>keycode</a:t>
-            </a:r>
-            <a:r>
-              <a:rPr lang="en-US" dirty="0"/>
-              <a:t> the user input and printed the appropriate logo based on that input</a:t>
-            </a:r>
-          </a:p>
-          <a:p>
-            <a:pPr lvl="1"/>
-            <a:r>
-              <a:rPr lang="en-US" dirty="0"/>
-              <a:t>Specifically the </a:t>
-            </a:r>
-            <a:r>
-              <a:rPr lang="en-US" b="1" i="1" dirty="0" err="1"/>
-              <a:t>keydown</a:t>
-            </a:r>
-            <a:r>
-              <a:rPr lang="en-US" dirty="0"/>
-              <a:t> event </a:t>
-            </a:r>
+              <a:t>Example: echo “&lt;p&gt; Insert text to be printed &lt;/p&gt;”;</a:t>
+            </a:r>
+          </a:p>
+          <a:p>
+            <a:endParaRPr lang="en-US" dirty="0"/>
           </a:p>
         </p:txBody>
       </p:sp>
     </p:spTree>
     <p:extLst>
       <p:ext uri="{BB962C8B-B14F-4D97-AF65-F5344CB8AC3E}">
-        <p14:creationId xmlns:p14="http://schemas.microsoft.com/office/powerpoint/2010/main" val="828747628"/>
+        <p14:creationId xmlns:p14="http://schemas.microsoft.com/office/powerpoint/2010/main" val="944250526"/>
       </p:ext>
     </p:extLst>
   </p:cSld>
@@ -6055,6 +5970,14 @@
 <file path=ppt/slides/slide9.xml><?xml version="1.0" encoding="utf-8"?>
 <p:sld xmlns:a="http://schemas.openxmlformats.org/drawingml/2006/main" xmlns:r="http://schemas.openxmlformats.org/officeDocument/2006/relationships" xmlns:p="http://schemas.openxmlformats.org/presentationml/2006/main">
   <p:cSld>
+    <p:bg>
+      <p:bgPr>
+        <a:solidFill>
+          <a:schemeClr val="bg2"/>
+        </a:solidFill>
+        <a:effectLst/>
+      </p:bgPr>
+    </p:bg>
     <p:spTree>
       <p:nvGrpSpPr>
         <p:cNvPr id="1" name=""/>
@@ -6071,46 +5994,125 @@
       </p:grpSpPr>
       <p:sp>
         <p:nvSpPr>
-          <p:cNvPr id="2" name="Title 1">
+          <p:cNvPr id="10" name="Rectangle 9">
             <a:extLst>
               <a:ext uri="{FF2B5EF4-FFF2-40B4-BE49-F238E27FC236}">
-                <a16:creationId xmlns:a16="http://schemas.microsoft.com/office/drawing/2014/main" id="{94ACD132-CFC0-4EA5-A3DB-46ACD21474A5}"/>
+                <a16:creationId xmlns:a16="http://schemas.microsoft.com/office/drawing/2014/main" id="{5F9F5EB8-AB42-47FD-8F4A-176C0A4B1B0A}"/>
+              </a:ext>
+              <a:ext uri="{C183D7F6-B498-43B3-948B-1728B52AA6E4}">
+                <adec:decorative xmlns:adec="http://schemas.microsoft.com/office/drawing/2017/decorative" val="1"/>
               </a:ext>
             </a:extLst>
           </p:cNvPr>
           <p:cNvSpPr>
-            <a:spLocks noGrp="1"/>
-          </p:cNvSpPr>
-          <p:nvPr>
-            <p:ph type="title"/>
-          </p:nvPr>
-        </p:nvSpPr>
-        <p:spPr/>
-        <p:txBody>
-          <a:bodyPr/>
-          <a:lstStyle/>
-          <a:p>
-            <a:r>
-              <a:rPr lang="en-US" dirty="0"/>
-              <a:t>Checking card </a:t>
-            </a:r>
-            <a:r>
-              <a:rPr lang="en-US" dirty="0" err="1"/>
-              <a:t>iin</a:t>
-            </a:r>
-            <a:r>
-              <a:rPr lang="en-US" dirty="0"/>
-              <a:t> (Pre-pay parking)</a:t>
-            </a:r>
+            <a:spLocks noGrp="1" noRot="1" noChangeAspect="1" noMove="1" noResize="1" noEditPoints="1" noAdjustHandles="1" noChangeArrowheads="1" noChangeShapeType="1" noTextEdit="1"/>
+          </p:cNvSpPr>
+          <p:nvPr>
+            <p:extLst>
+              <p:ext uri="{386F3935-93C4-4BCD-93E2-E3B085C9AB24}">
+                <p16:designElem xmlns:p16="http://schemas.microsoft.com/office/powerpoint/2015/main" val="1"/>
+              </p:ext>
+            </p:extLst>
+          </p:nvPr>
+        </p:nvSpPr>
+        <p:spPr>
+          <a:xfrm>
+            <a:off x="3048" y="2059012"/>
+            <a:ext cx="12188952" cy="1828800"/>
+          </a:xfrm>
+          <a:prstGeom prst="rect">
+            <a:avLst/>
+          </a:prstGeom>
+          <a:solidFill>
+            <a:schemeClr val="tx1"/>
+          </a:solidFill>
+          <a:ln>
+            <a:noFill/>
+          </a:ln>
+        </p:spPr>
+        <p:style>
+          <a:lnRef idx="2">
+            <a:schemeClr val="accent1">
+              <a:shade val="50000"/>
+            </a:schemeClr>
+          </a:lnRef>
+          <a:fillRef idx="1">
+            <a:schemeClr val="accent1"/>
+          </a:fillRef>
+          <a:effectRef idx="0">
+            <a:schemeClr val="accent1"/>
+          </a:effectRef>
+          <a:fontRef idx="minor">
+            <a:schemeClr val="lt1"/>
+          </a:fontRef>
+        </p:style>
+      </p:sp>
+      <p:sp useBgFill="1">
+        <p:nvSpPr>
+          <p:cNvPr id="12" name="Rectangle 11">
+            <a:extLst>
+              <a:ext uri="{FF2B5EF4-FFF2-40B4-BE49-F238E27FC236}">
+                <a16:creationId xmlns:a16="http://schemas.microsoft.com/office/drawing/2014/main" id="{F5D04095-82A0-4203-9728-B32227226818}"/>
+              </a:ext>
+              <a:ext uri="{C183D7F6-B498-43B3-948B-1728B52AA6E4}">
+                <adec:decorative xmlns:adec="http://schemas.microsoft.com/office/drawing/2017/decorative" val="1"/>
+              </a:ext>
+            </a:extLst>
+          </p:cNvPr>
+          <p:cNvSpPr>
+            <a:spLocks noGrp="1" noRot="1" noChangeAspect="1" noMove="1" noResize="1" noEditPoints="1" noAdjustHandles="1" noChangeArrowheads="1" noChangeShapeType="1" noTextEdit="1"/>
+          </p:cNvSpPr>
+          <p:nvPr>
+            <p:extLst>
+              <p:ext uri="{386F3935-93C4-4BCD-93E2-E3B085C9AB24}">
+                <p16:designElem xmlns:p16="http://schemas.microsoft.com/office/powerpoint/2015/main" val="1"/>
+              </p:ext>
+            </p:extLst>
+          </p:nvPr>
+        </p:nvSpPr>
+        <p:spPr>
+          <a:xfrm>
+            <a:off x="0" y="0"/>
+            <a:ext cx="12192000" cy="6858000"/>
+          </a:xfrm>
+          <a:prstGeom prst="rect">
+            <a:avLst/>
+          </a:prstGeom>
+          <a:ln>
+            <a:noFill/>
+          </a:ln>
+        </p:spPr>
+        <p:style>
+          <a:lnRef idx="2">
+            <a:schemeClr val="accent1">
+              <a:shade val="50000"/>
+            </a:schemeClr>
+          </a:lnRef>
+          <a:fillRef idx="1001">
+            <a:schemeClr val="dk2"/>
+          </a:fillRef>
+          <a:effectRef idx="0">
+            <a:schemeClr val="accent1"/>
+          </a:effectRef>
+          <a:fontRef idx="minor">
+            <a:schemeClr val="lt1"/>
+          </a:fontRef>
+        </p:style>
+        <p:txBody>
+          <a:bodyPr rtlCol="0" anchor="ctr"/>
+          <a:lstStyle/>
+          <a:p>
+            <a:pPr algn="ctr"/>
+            <a:endParaRPr lang="en-US" dirty="0"/>
           </a:p>
         </p:txBody>
       </p:sp>
       <p:pic>
         <p:nvPicPr>
-          <p:cNvPr id="10" name="Content Placeholder 9" descr="Text&#10;&#10;Description automatically generated">
+          <p:cNvPr id="5" name="Content Placeholder 4" descr="Text&#10;&#10;Description automatically generated">
             <a:extLst>
               <a:ext uri="{FF2B5EF4-FFF2-40B4-BE49-F238E27FC236}">
-                <a16:creationId xmlns:a16="http://schemas.microsoft.com/office/drawing/2014/main" id="{55EB0B58-E44A-4F20-B01B-24DE962ABA2E}"/>
+                <a16:creationId xmlns:a16="http://schemas.microsoft.com/office/drawing/2014/main" id="{E6F87D2C-3F26-4E9F-9EEA-C98FEF748693}"/>
               </a:ext>
             </a:extLst>
           </p:cNvPr>
@@ -6129,15 +6131,219 @@
         </p:blipFill>
         <p:spPr>
           <a:xfrm>
-            <a:off x="2165431" y="2011363"/>
-            <a:ext cx="7859550" cy="4206875"/>
+            <a:off x="1936849" y="461365"/>
+            <a:ext cx="8315252" cy="2702459"/>
+          </a:xfrm>
+          <a:prstGeom prst="rect">
+            <a:avLst/>
+          </a:prstGeom>
+        </p:spPr>
+      </p:pic>
+      <p:sp>
+        <p:nvSpPr>
+          <p:cNvPr id="14" name="Rectangle 13">
+            <a:extLst>
+              <a:ext uri="{FF2B5EF4-FFF2-40B4-BE49-F238E27FC236}">
+                <a16:creationId xmlns:a16="http://schemas.microsoft.com/office/drawing/2014/main" id="{F6775829-84CA-4765-8BE1-88A69E91D940}"/>
+              </a:ext>
+              <a:ext uri="{C183D7F6-B498-43B3-948B-1728B52AA6E4}">
+                <adec:decorative xmlns:adec="http://schemas.microsoft.com/office/drawing/2017/decorative" val="1"/>
+              </a:ext>
+            </a:extLst>
+          </p:cNvPr>
+          <p:cNvSpPr>
+            <a:spLocks noGrp="1" noRot="1" noChangeAspect="1" noMove="1" noResize="1" noEditPoints="1" noAdjustHandles="1" noChangeArrowheads="1" noChangeShapeType="1" noTextEdit="1"/>
+          </p:cNvSpPr>
+          <p:nvPr>
+            <p:extLst>
+              <p:ext uri="{386F3935-93C4-4BCD-93E2-E3B085C9AB24}">
+                <p16:designElem xmlns:p16="http://schemas.microsoft.com/office/powerpoint/2015/main" val="1"/>
+              </p:ext>
+            </p:extLst>
+          </p:nvPr>
+        </p:nvSpPr>
+        <p:spPr>
+          <a:xfrm>
+            <a:off x="3048" y="3657600"/>
+            <a:ext cx="12188952" cy="1828800"/>
+          </a:xfrm>
+          <a:prstGeom prst="rect">
+            <a:avLst/>
+          </a:prstGeom>
+          <a:solidFill>
+            <a:schemeClr val="tx1"/>
+          </a:solidFill>
+          <a:ln>
+            <a:noFill/>
+          </a:ln>
+        </p:spPr>
+        <p:style>
+          <a:lnRef idx="2">
+            <a:schemeClr val="accent1">
+              <a:shade val="50000"/>
+            </a:schemeClr>
+          </a:lnRef>
+          <a:fillRef idx="1">
+            <a:schemeClr val="accent1"/>
+          </a:fillRef>
+          <a:effectRef idx="0">
+            <a:schemeClr val="accent1"/>
+          </a:effectRef>
+          <a:fontRef idx="minor">
+            <a:schemeClr val="lt1"/>
+          </a:fontRef>
+        </p:style>
+        <p:txBody>
+          <a:bodyPr rtlCol="0" anchor="ctr"/>
+          <a:lstStyle>
+            <a:defPPr>
+              <a:defRPr lang="en-US"/>
+            </a:defPPr>
+            <a:lvl1pPr marL="0" algn="l" defTabSz="914400" rtl="0" eaLnBrk="1" latinLnBrk="0" hangingPunct="1">
+              <a:defRPr sz="1800" kern="1200">
+                <a:solidFill>
+                  <a:schemeClr val="lt1"/>
+                </a:solidFill>
+                <a:latin typeface="+mn-lt"/>
+                <a:ea typeface="+mn-ea"/>
+                <a:cs typeface="+mn-cs"/>
+              </a:defRPr>
+            </a:lvl1pPr>
+            <a:lvl2pPr marL="457200" algn="l" defTabSz="914400" rtl="0" eaLnBrk="1" latinLnBrk="0" hangingPunct="1">
+              <a:defRPr sz="1800" kern="1200">
+                <a:solidFill>
+                  <a:schemeClr val="lt1"/>
+                </a:solidFill>
+                <a:latin typeface="+mn-lt"/>
+                <a:ea typeface="+mn-ea"/>
+                <a:cs typeface="+mn-cs"/>
+              </a:defRPr>
+            </a:lvl2pPr>
+            <a:lvl3pPr marL="914400" algn="l" defTabSz="914400" rtl="0" eaLnBrk="1" latinLnBrk="0" hangingPunct="1">
+              <a:defRPr sz="1800" kern="1200">
+                <a:solidFill>
+                  <a:schemeClr val="lt1"/>
+                </a:solidFill>
+                <a:latin typeface="+mn-lt"/>
+                <a:ea typeface="+mn-ea"/>
+                <a:cs typeface="+mn-cs"/>
+              </a:defRPr>
+            </a:lvl3pPr>
+            <a:lvl4pPr marL="1371600" algn="l" defTabSz="914400" rtl="0" eaLnBrk="1" latinLnBrk="0" hangingPunct="1">
+              <a:defRPr sz="1800" kern="1200">
+                <a:solidFill>
+                  <a:schemeClr val="lt1"/>
+                </a:solidFill>
+                <a:latin typeface="+mn-lt"/>
+                <a:ea typeface="+mn-ea"/>
+                <a:cs typeface="+mn-cs"/>
+              </a:defRPr>
+            </a:lvl4pPr>
+            <a:lvl5pPr marL="1828800" algn="l" defTabSz="914400" rtl="0" eaLnBrk="1" latinLnBrk="0" hangingPunct="1">
+              <a:defRPr sz="1800" kern="1200">
+                <a:solidFill>
+                  <a:schemeClr val="lt1"/>
+                </a:solidFill>
+                <a:latin typeface="+mn-lt"/>
+                <a:ea typeface="+mn-ea"/>
+                <a:cs typeface="+mn-cs"/>
+              </a:defRPr>
+            </a:lvl5pPr>
+            <a:lvl6pPr marL="2286000" algn="l" defTabSz="914400" rtl="0" eaLnBrk="1" latinLnBrk="0" hangingPunct="1">
+              <a:defRPr sz="1800" kern="1200">
+                <a:solidFill>
+                  <a:schemeClr val="lt1"/>
+                </a:solidFill>
+                <a:latin typeface="+mn-lt"/>
+                <a:ea typeface="+mn-ea"/>
+                <a:cs typeface="+mn-cs"/>
+              </a:defRPr>
+            </a:lvl6pPr>
+            <a:lvl7pPr marL="2743200" algn="l" defTabSz="914400" rtl="0" eaLnBrk="1" latinLnBrk="0" hangingPunct="1">
+              <a:defRPr sz="1800" kern="1200">
+                <a:solidFill>
+                  <a:schemeClr val="lt1"/>
+                </a:solidFill>
+                <a:latin typeface="+mn-lt"/>
+                <a:ea typeface="+mn-ea"/>
+                <a:cs typeface="+mn-cs"/>
+              </a:defRPr>
+            </a:lvl7pPr>
+            <a:lvl8pPr marL="3200400" algn="l" defTabSz="914400" rtl="0" eaLnBrk="1" latinLnBrk="0" hangingPunct="1">
+              <a:defRPr sz="1800" kern="1200">
+                <a:solidFill>
+                  <a:schemeClr val="lt1"/>
+                </a:solidFill>
+                <a:latin typeface="+mn-lt"/>
+                <a:ea typeface="+mn-ea"/>
+                <a:cs typeface="+mn-cs"/>
+              </a:defRPr>
+            </a:lvl8pPr>
+            <a:lvl9pPr marL="3657600" algn="l" defTabSz="914400" rtl="0" eaLnBrk="1" latinLnBrk="0" hangingPunct="1">
+              <a:defRPr sz="1800" kern="1200">
+                <a:solidFill>
+                  <a:schemeClr val="lt1"/>
+                </a:solidFill>
+                <a:latin typeface="+mn-lt"/>
+                <a:ea typeface="+mn-ea"/>
+                <a:cs typeface="+mn-cs"/>
+              </a:defRPr>
+            </a:lvl9pPr>
+          </a:lstStyle>
+          <a:p>
+            <a:pPr algn="ctr"/>
+            <a:endParaRPr lang="en-US" dirty="0">
+              <a:solidFill>
+                <a:srgbClr val="FFFFFF"/>
+              </a:solidFill>
+            </a:endParaRPr>
+          </a:p>
+        </p:txBody>
+      </p:sp>
+      <p:sp>
+        <p:nvSpPr>
+          <p:cNvPr id="2" name="Title 1">
+            <a:extLst>
+              <a:ext uri="{FF2B5EF4-FFF2-40B4-BE49-F238E27FC236}">
+                <a16:creationId xmlns:a16="http://schemas.microsoft.com/office/drawing/2014/main" id="{0682CDC2-D75D-47F5-A45D-B02AFA6BAEEF}"/>
+              </a:ext>
+            </a:extLst>
+          </p:cNvPr>
+          <p:cNvSpPr>
+            <a:spLocks noGrp="1"/>
+          </p:cNvSpPr>
+          <p:nvPr>
+            <p:ph type="title"/>
+          </p:nvPr>
+        </p:nvSpPr>
+        <p:spPr>
+          <a:xfrm>
+            <a:off x="365759" y="3794760"/>
+            <a:ext cx="11471565" cy="1739347"/>
           </a:xfrm>
         </p:spPr>
-      </p:pic>
+        <p:txBody>
+          <a:bodyPr vert="horz" lIns="91440" tIns="45720" rIns="91440" bIns="45720" rtlCol="0" anchor="ctr">
+            <a:normAutofit/>
+          </a:bodyPr>
+          <a:lstStyle/>
+          <a:p>
+            <a:pPr algn="ctr">
+              <a:lnSpc>
+                <a:spcPct val="80000"/>
+              </a:lnSpc>
+            </a:pPr>
+            <a:r>
+              <a:rPr lang="en-US" sz="6000" spc="150"/>
+              <a:t>PHP FORM Validation</a:t>
+            </a:r>
+          </a:p>
+        </p:txBody>
+      </p:sp>
     </p:spTree>
     <p:extLst>
       <p:ext uri="{BB962C8B-B14F-4D97-AF65-F5344CB8AC3E}">
-        <p14:creationId xmlns:p14="http://schemas.microsoft.com/office/powerpoint/2010/main" val="3048332103"/>
+        <p14:creationId xmlns:p14="http://schemas.microsoft.com/office/powerpoint/2010/main" val="4273604261"/>
       </p:ext>
     </p:extLst>
   </p:cSld>
@@ -6705,12 +6911,11 @@
 </file>
 
 <file path=customXml/item1.xml><?xml version="1.0" encoding="utf-8"?>
-<?mso-contentType ?>
-<FormTemplates xmlns="http://schemas.microsoft.com/sharepoint/v3/contenttype/forms">
-  <Display>DocumentLibraryForm</Display>
-  <Edit>DocumentLibraryForm</Edit>
-  <New>DocumentLibraryForm</New>
-</FormTemplates>
+<p:properties xmlns:p="http://schemas.microsoft.com/office/2006/metadata/properties" xmlns:xsi="http://www.w3.org/2001/XMLSchema-instance" xmlns:pc="http://schemas.microsoft.com/office/infopath/2007/PartnerControls">
+  <documentManagement>
+    <MediaServiceKeyPoints xmlns="71af3243-3dd4-4a8d-8c0d-dd76da1f02a5" xsi:nil="true"/>
+  </documentManagement>
+</p:properties>
 </file>
 
 <file path=customXml/item2.xml><?xml version="1.0" encoding="utf-8"?>
@@ -6925,17 +7130,20 @@
 </file>
 
 <file path=customXml/item3.xml><?xml version="1.0" encoding="utf-8"?>
-<p:properties xmlns:p="http://schemas.microsoft.com/office/2006/metadata/properties" xmlns:xsi="http://www.w3.org/2001/XMLSchema-instance" xmlns:pc="http://schemas.microsoft.com/office/infopath/2007/PartnerControls">
-  <documentManagement>
-    <MediaServiceKeyPoints xmlns="71af3243-3dd4-4a8d-8c0d-dd76da1f02a5" xsi:nil="true"/>
-  </documentManagement>
-</p:properties>
+<?mso-contentType ?>
+<FormTemplates xmlns="http://schemas.microsoft.com/sharepoint/v3/contenttype/forms">
+  <Display>DocumentLibraryForm</Display>
+  <Edit>DocumentLibraryForm</Edit>
+  <New>DocumentLibraryForm</New>
+</FormTemplates>
 </file>
 
 <file path=customXml/itemProps1.xml><?xml version="1.0" encoding="utf-8"?>
-<ds:datastoreItem xmlns:ds="http://schemas.openxmlformats.org/officeDocument/2006/customXml" ds:itemID="{8F871927-9856-4138-B7A7-125C4AA7EFDB}">
+<ds:datastoreItem xmlns:ds="http://schemas.openxmlformats.org/officeDocument/2006/customXml" ds:itemID="{644E3864-550F-4194-BC9D-CCA442A52D0D}">
   <ds:schemaRefs>
-    <ds:schemaRef ds:uri="http://schemas.microsoft.com/sharepoint/v3/contenttype/forms"/>
+    <ds:schemaRef ds:uri="http://schemas.microsoft.com/office/2006/metadata/properties"/>
+    <ds:schemaRef ds:uri="http://schemas.microsoft.com/office/infopath/2007/PartnerControls"/>
+    <ds:schemaRef ds:uri="71af3243-3dd4-4a8d-8c0d-dd76da1f02a5"/>
   </ds:schemaRefs>
 </ds:datastoreItem>
 </file>
@@ -6960,11 +7168,9 @@
 </file>
 
 <file path=customXml/itemProps3.xml><?xml version="1.0" encoding="utf-8"?>
-<ds:datastoreItem xmlns:ds="http://schemas.openxmlformats.org/officeDocument/2006/customXml" ds:itemID="{644E3864-550F-4194-BC9D-CCA442A52D0D}">
+<ds:datastoreItem xmlns:ds="http://schemas.openxmlformats.org/officeDocument/2006/customXml" ds:itemID="{8F871927-9856-4138-B7A7-125C4AA7EFDB}">
   <ds:schemaRefs>
-    <ds:schemaRef ds:uri="http://schemas.microsoft.com/office/2006/metadata/properties"/>
-    <ds:schemaRef ds:uri="http://schemas.microsoft.com/office/infopath/2007/PartnerControls"/>
-    <ds:schemaRef ds:uri="71af3243-3dd4-4a8d-8c0d-dd76da1f02a5"/>
+    <ds:schemaRef ds:uri="http://schemas.microsoft.com/sharepoint/v3/contenttype/forms"/>
   </ds:schemaRefs>
 </ds:datastoreItem>
 </file>
--- a/Project04.pptx
+++ b/Project04.pptx
@@ -4583,7 +4583,7 @@
                   <a:schemeClr val="bg1"/>
                 </a:solidFill>
               </a:rPr>
-              <a:t>Orders has 1:n meaning an order can have 1 or many items in it </a:t>
+              <a:t>Orders has 1:n meaning a user can have 1 or many orders at the same time </a:t>
             </a:r>
           </a:p>
         </p:txBody>
@@ -4846,7 +4846,12 @@
             <p:ph idx="1"/>
           </p:nvPr>
         </p:nvSpPr>
-        <p:spPr/>
+        <p:spPr>
+          <a:xfrm>
+            <a:off x="1202919" y="2082703"/>
+            <a:ext cx="9784080" cy="4779738"/>
+          </a:xfrm>
+        </p:spPr>
         <p:txBody>
           <a:bodyPr>
             <a:normAutofit/>
@@ -4872,6 +4877,12 @@
             <a:r>
               <a:rPr lang="en-US" dirty="0"/>
               <a:t> T: Created the Credit Card form and checkout process used on the Rental aspect of the project</a:t>
+            </a:r>
+          </a:p>
+          <a:p>
+            <a:r>
+              <a:rPr lang="en-US" dirty="0"/>
+              <a:t>Michael H: Created the pre-paid parking process and all associated aspects. Created and modified databases that were used in the Pre-Pay service portion. Tested databases for any errors and resolved any that were found.</a:t>
             </a:r>
           </a:p>
         </p:txBody>
@@ -6911,11 +6922,12 @@
 </file>
 
 <file path=customXml/item1.xml><?xml version="1.0" encoding="utf-8"?>
-<p:properties xmlns:p="http://schemas.microsoft.com/office/2006/metadata/properties" xmlns:xsi="http://www.w3.org/2001/XMLSchema-instance" xmlns:pc="http://schemas.microsoft.com/office/infopath/2007/PartnerControls">
-  <documentManagement>
-    <MediaServiceKeyPoints xmlns="71af3243-3dd4-4a8d-8c0d-dd76da1f02a5" xsi:nil="true"/>
-  </documentManagement>
-</p:properties>
+<?mso-contentType ?>
+<FormTemplates xmlns="http://schemas.microsoft.com/sharepoint/v3/contenttype/forms">
+  <Display>DocumentLibraryForm</Display>
+  <Edit>DocumentLibraryForm</Edit>
+  <New>DocumentLibraryForm</New>
+</FormTemplates>
 </file>
 
 <file path=customXml/item2.xml><?xml version="1.0" encoding="utf-8"?>
@@ -7130,20 +7142,17 @@
 </file>
 
 <file path=customXml/item3.xml><?xml version="1.0" encoding="utf-8"?>
-<?mso-contentType ?>
-<FormTemplates xmlns="http://schemas.microsoft.com/sharepoint/v3/contenttype/forms">
-  <Display>DocumentLibraryForm</Display>
-  <Edit>DocumentLibraryForm</Edit>
-  <New>DocumentLibraryForm</New>
-</FormTemplates>
+<p:properties xmlns:p="http://schemas.microsoft.com/office/2006/metadata/properties" xmlns:xsi="http://www.w3.org/2001/XMLSchema-instance" xmlns:pc="http://schemas.microsoft.com/office/infopath/2007/PartnerControls">
+  <documentManagement>
+    <MediaServiceKeyPoints xmlns="71af3243-3dd4-4a8d-8c0d-dd76da1f02a5" xsi:nil="true"/>
+  </documentManagement>
+</p:properties>
 </file>
 
 <file path=customXml/itemProps1.xml><?xml version="1.0" encoding="utf-8"?>
-<ds:datastoreItem xmlns:ds="http://schemas.openxmlformats.org/officeDocument/2006/customXml" ds:itemID="{644E3864-550F-4194-BC9D-CCA442A52D0D}">
+<ds:datastoreItem xmlns:ds="http://schemas.openxmlformats.org/officeDocument/2006/customXml" ds:itemID="{8F871927-9856-4138-B7A7-125C4AA7EFDB}">
   <ds:schemaRefs>
-    <ds:schemaRef ds:uri="http://schemas.microsoft.com/office/2006/metadata/properties"/>
-    <ds:schemaRef ds:uri="http://schemas.microsoft.com/office/infopath/2007/PartnerControls"/>
-    <ds:schemaRef ds:uri="71af3243-3dd4-4a8d-8c0d-dd76da1f02a5"/>
+    <ds:schemaRef ds:uri="http://schemas.microsoft.com/sharepoint/v3/contenttype/forms"/>
   </ds:schemaRefs>
 </ds:datastoreItem>
 </file>
@@ -7168,9 +7177,11 @@
 </file>
 
 <file path=customXml/itemProps3.xml><?xml version="1.0" encoding="utf-8"?>
-<ds:datastoreItem xmlns:ds="http://schemas.openxmlformats.org/officeDocument/2006/customXml" ds:itemID="{8F871927-9856-4138-B7A7-125C4AA7EFDB}">
+<ds:datastoreItem xmlns:ds="http://schemas.openxmlformats.org/officeDocument/2006/customXml" ds:itemID="{644E3864-550F-4194-BC9D-CCA442A52D0D}">
   <ds:schemaRefs>
-    <ds:schemaRef ds:uri="http://schemas.microsoft.com/sharepoint/v3/contenttype/forms"/>
+    <ds:schemaRef ds:uri="http://schemas.microsoft.com/office/2006/metadata/properties"/>
+    <ds:schemaRef ds:uri="http://schemas.microsoft.com/office/infopath/2007/PartnerControls"/>
+    <ds:schemaRef ds:uri="71af3243-3dd4-4a8d-8c0d-dd76da1f02a5"/>
   </ds:schemaRefs>
 </ds:datastoreItem>
 </file>